--- a/docs/diagrams/ModelComponentClassBetterOopDiagram.pptx
+++ b/docs/diagrams/ModelComponentClassBetterOopDiagram.pptx
@@ -208,7 +208,7 @@
           <a:p>
             <a:fld id="{F5CC4B3F-88C1-4FFA-B1B6-F41C21DC6924}" type="datetimeFigureOut">
               <a:rPr lang="en-US" smtClean="0"/>
-              <a:t>6/27/2018</a:t>
+              <a:t>10/19/2018</a:t>
             </a:fld>
             <a:endParaRPr lang="en-US"/>
           </a:p>
@@ -654,7 +654,7 @@
           <a:p>
             <a:fld id="{78C97017-6FC3-485B-9764-EAC9E56C1D49}" type="datetimeFigureOut">
               <a:rPr lang="en-US" smtClean="0"/>
-              <a:t>6/27/2018</a:t>
+              <a:t>10/19/2018</a:t>
             </a:fld>
             <a:endParaRPr lang="en-US"/>
           </a:p>
@@ -822,7 +822,7 @@
           <a:p>
             <a:fld id="{78C97017-6FC3-485B-9764-EAC9E56C1D49}" type="datetimeFigureOut">
               <a:rPr lang="en-US" smtClean="0"/>
-              <a:t>6/27/2018</a:t>
+              <a:t>10/19/2018</a:t>
             </a:fld>
             <a:endParaRPr lang="en-US"/>
           </a:p>
@@ -1000,7 +1000,7 @@
           <a:p>
             <a:fld id="{78C97017-6FC3-485B-9764-EAC9E56C1D49}" type="datetimeFigureOut">
               <a:rPr lang="en-US" smtClean="0"/>
-              <a:t>6/27/2018</a:t>
+              <a:t>10/19/2018</a:t>
             </a:fld>
             <a:endParaRPr lang="en-US"/>
           </a:p>
@@ -1168,7 +1168,7 @@
           <a:p>
             <a:fld id="{78C97017-6FC3-485B-9764-EAC9E56C1D49}" type="datetimeFigureOut">
               <a:rPr lang="en-US" smtClean="0"/>
-              <a:t>6/27/2018</a:t>
+              <a:t>10/19/2018</a:t>
             </a:fld>
             <a:endParaRPr lang="en-US"/>
           </a:p>
@@ -1413,7 +1413,7 @@
           <a:p>
             <a:fld id="{78C97017-6FC3-485B-9764-EAC9E56C1D49}" type="datetimeFigureOut">
               <a:rPr lang="en-US" smtClean="0"/>
-              <a:t>6/27/2018</a:t>
+              <a:t>10/19/2018</a:t>
             </a:fld>
             <a:endParaRPr lang="en-US"/>
           </a:p>
@@ -1698,7 +1698,7 @@
           <a:p>
             <a:fld id="{78C97017-6FC3-485B-9764-EAC9E56C1D49}" type="datetimeFigureOut">
               <a:rPr lang="en-US" smtClean="0"/>
-              <a:t>6/27/2018</a:t>
+              <a:t>10/19/2018</a:t>
             </a:fld>
             <a:endParaRPr lang="en-US"/>
           </a:p>
@@ -2117,7 +2117,7 @@
           <a:p>
             <a:fld id="{78C97017-6FC3-485B-9764-EAC9E56C1D49}" type="datetimeFigureOut">
               <a:rPr lang="en-US" smtClean="0"/>
-              <a:t>6/27/2018</a:t>
+              <a:t>10/19/2018</a:t>
             </a:fld>
             <a:endParaRPr lang="en-US"/>
           </a:p>
@@ -2234,7 +2234,7 @@
           <a:p>
             <a:fld id="{78C97017-6FC3-485B-9764-EAC9E56C1D49}" type="datetimeFigureOut">
               <a:rPr lang="en-US" smtClean="0"/>
-              <a:t>6/27/2018</a:t>
+              <a:t>10/19/2018</a:t>
             </a:fld>
             <a:endParaRPr lang="en-US"/>
           </a:p>
@@ -2329,7 +2329,7 @@
           <a:p>
             <a:fld id="{78C97017-6FC3-485B-9764-EAC9E56C1D49}" type="datetimeFigureOut">
               <a:rPr lang="en-US" smtClean="0"/>
-              <a:t>6/27/2018</a:t>
+              <a:t>10/19/2018</a:t>
             </a:fld>
             <a:endParaRPr lang="en-US"/>
           </a:p>
@@ -2604,7 +2604,7 @@
           <a:p>
             <a:fld id="{78C97017-6FC3-485B-9764-EAC9E56C1D49}" type="datetimeFigureOut">
               <a:rPr lang="en-US" smtClean="0"/>
-              <a:t>6/27/2018</a:t>
+              <a:t>10/19/2018</a:t>
             </a:fld>
             <a:endParaRPr lang="en-US"/>
           </a:p>
@@ -2856,7 +2856,7 @@
           <a:p>
             <a:fld id="{78C97017-6FC3-485B-9764-EAC9E56C1D49}" type="datetimeFigureOut">
               <a:rPr lang="en-US" smtClean="0"/>
-              <a:t>6/27/2018</a:t>
+              <a:t>10/19/2018</a:t>
             </a:fld>
             <a:endParaRPr lang="en-US"/>
           </a:p>
@@ -3067,7 +3067,7 @@
           <a:p>
             <a:fld id="{78C97017-6FC3-485B-9764-EAC9E56C1D49}" type="datetimeFigureOut">
               <a:rPr lang="en-US" smtClean="0"/>
-              <a:t>6/27/2018</a:t>
+              <a:t>10/19/2018</a:t>
             </a:fld>
             <a:endParaRPr lang="en-US"/>
           </a:p>
@@ -3959,8 +3959,8 @@
         </p:nvSpPr>
         <p:spPr>
           <a:xfrm>
-            <a:off x="2786406" y="2834911"/>
-            <a:ext cx="1447688" cy="346760"/>
+            <a:off x="2703945" y="2834911"/>
+            <a:ext cx="1530149" cy="346760"/>
           </a:xfrm>
           <a:prstGeom prst="rect">
             <a:avLst/>
@@ -3992,12 +3992,12 @@
           <a:p>
             <a:pPr algn="ctr"/>
             <a:r>
-              <a:rPr lang="en-US" sz="1050" dirty="0" err="1" smtClean="0">
+              <a:rPr lang="en-US" sz="1050" dirty="0" err="1">
                 <a:solidFill>
                   <a:srgbClr val="7030A0"/>
                 </a:solidFill>
               </a:rPr>
-              <a:t>VersionedAddressBook</a:t>
+              <a:t>VersionedTaskCollection</a:t>
             </a:r>
             <a:endParaRPr lang="en-SG" sz="1050" dirty="0">
               <a:solidFill>
@@ -4011,6 +4011,7 @@
         <p:nvCxnSpPr>
           <p:cNvPr id="47" name="Straight Arrow Connector 46"/>
           <p:cNvCxnSpPr>
+            <a:cxnSpLocks/>
             <a:stCxn id="48" idx="3"/>
             <a:endCxn id="46" idx="1"/>
           </p:cNvCxnSpPr>
@@ -4019,7 +4020,7 @@
         <p:spPr>
           <a:xfrm>
             <a:off x="2624360" y="3003033"/>
-            <a:ext cx="162046" cy="5258"/>
+            <a:ext cx="79585" cy="5258"/>
           </a:xfrm>
           <a:prstGeom prst="straightConnector1">
             <a:avLst/>
@@ -4139,7 +4140,7 @@
                   <a:srgbClr val="7030A0"/>
                 </a:solidFill>
               </a:rPr>
-              <a:t>UniquePersonList</a:t>
+              <a:t>UniqueTaskList</a:t>
             </a:r>
             <a:endParaRPr lang="en-SG" sz="1050" dirty="0">
               <a:solidFill>
@@ -4283,7 +4284,7 @@
                   <a:srgbClr val="7030A0"/>
                 </a:solidFill>
               </a:rPr>
-              <a:t>Person</a:t>
+              <a:t>Task</a:t>
             </a:r>
             <a:endParaRPr lang="en-SG" sz="1050" dirty="0">
               <a:solidFill>
@@ -4569,7 +4570,7 @@
                   <a:srgbClr val="7030A0"/>
                 </a:solidFill>
               </a:rPr>
-              <a:t>Phone</a:t>
+              <a:t>Due Date</a:t>
             </a:r>
             <a:endParaRPr lang="en-SG" sz="1050" dirty="0">
               <a:solidFill>
@@ -4666,7 +4667,7 @@
                   <a:srgbClr val="7030A0"/>
                 </a:solidFill>
               </a:rPr>
-              <a:t>Email</a:t>
+              <a:t>Priority</a:t>
             </a:r>
             <a:endParaRPr lang="en-SG" sz="1050" dirty="0">
               <a:solidFill>
@@ -4725,8 +4726,8 @@
         </p:nvSpPr>
         <p:spPr>
           <a:xfrm>
-            <a:off x="7712397" y="3533171"/>
-            <a:ext cx="708186" cy="285783"/>
+            <a:off x="7712396" y="3533171"/>
+            <a:ext cx="873607" cy="312035"/>
           </a:xfrm>
           <a:prstGeom prst="rect">
             <a:avLst/>
@@ -4763,7 +4764,7 @@
                   <a:srgbClr val="7030A0"/>
                 </a:solidFill>
               </a:rPr>
-              <a:t>Address</a:t>
+              <a:t>Attachment</a:t>
             </a:r>
             <a:endParaRPr lang="en-SG" sz="1050" dirty="0">
               <a:solidFill>
@@ -4777,6 +4778,7 @@
         <p:nvCxnSpPr>
           <p:cNvPr id="86" name="Elbow Connector 85"/>
           <p:cNvCxnSpPr>
+            <a:cxnSpLocks/>
             <a:stCxn id="78" idx="3"/>
             <a:endCxn id="85" idx="1"/>
           </p:cNvCxnSpPr>
@@ -4785,7 +4787,7 @@
         <p:spPr>
           <a:xfrm>
             <a:off x="7277995" y="3034891"/>
-            <a:ext cx="434402" cy="641172"/>
+            <a:ext cx="434401" cy="654298"/>
           </a:xfrm>
           <a:prstGeom prst="bentConnector3">
             <a:avLst/>
@@ -4900,14 +4902,6 @@
                 </a:solidFill>
               </a:rPr>
               <a:t>&lt;&lt;interface&gt;&gt;</a:t>
-            </a:r>
-            <a:r>
-              <a:rPr lang="en-US" sz="1050">
-                <a:solidFill>
-                  <a:srgbClr val="7030A0"/>
-                </a:solidFill>
-              </a:rPr>
-              <a:t/>
             </a:r>
             <a:br>
               <a:rPr lang="en-US" sz="1050">
@@ -5776,8 +5770,8 @@
         </p:nvSpPr>
         <p:spPr>
           <a:xfrm>
-            <a:off x="1177947" y="1998144"/>
-            <a:ext cx="1443661" cy="364396"/>
+            <a:off x="1119865" y="1998144"/>
+            <a:ext cx="1501743" cy="364396"/>
           </a:xfrm>
           <a:prstGeom prst="rect">
             <a:avLst/>
@@ -5829,7 +5823,7 @@
                   <a:srgbClr val="7030A0"/>
                 </a:solidFill>
               </a:rPr>
-              <a:t>ReadOnlyAddressBook</a:t>
+              <a:t>ReadOnlyTaskCollection</a:t>
             </a:r>
             <a:endParaRPr lang="en-SG" sz="1050" dirty="0">
               <a:solidFill>
@@ -5885,7 +5879,7 @@
                   <a:srgbClr val="7030A0"/>
                 </a:solidFill>
               </a:rPr>
-              <a:t>AddressBook</a:t>
+              <a:t>TaskCollection</a:t>
             </a:r>
             <a:endParaRPr lang="en-SG" sz="1050" dirty="0">
               <a:solidFill>
